--- a/site/slides/Unit11_Loops.pptx
+++ b/site/slides/Unit11_Loops.pptx
@@ -22,8 +22,8 @@
     <p:sldId id="568" r:id="rId10"/>
     <p:sldId id="569" r:id="rId11"/>
     <p:sldId id="592" r:id="rId12"/>
-    <p:sldId id="599" r:id="rId13"/>
-    <p:sldId id="594" r:id="rId14"/>
+    <p:sldId id="594" r:id="rId13"/>
+    <p:sldId id="599" r:id="rId14"/>
     <p:sldId id="600" r:id="rId15"/>
     <p:sldId id="558" r:id="rId16"/>
     <p:sldId id="580" r:id="rId17"/>
@@ -198,7 +198,7 @@
 <file path=ppt/revisionInfo.xml><?xml version="1.0" encoding="utf-8"?>
 <p1510:revInfo xmlns:a="http://schemas.openxmlformats.org/drawingml/2006/main" xmlns:r="http://schemas.openxmlformats.org/officeDocument/2006/relationships" xmlns:p1510="http://schemas.microsoft.com/office/powerpoint/2015/10/main">
   <p1510:revLst>
-    <p1510:client id="{8BE350D2-6936-4764-AEB4-6940700BA7AB}" v="2" dt="2024-01-31T05:32:49.534"/>
+    <p1510:client id="{2707BC5D-D3D5-477E-B1F5-A74E6C040B7D}" v="3" dt="2024-02-13T01:39:05.354"/>
   </p1510:revLst>
 </p1510:revInfo>
 </file>
@@ -3401,6 +3401,132 @@
     </pc:docChg>
   </pc:docChgLst>
   <pc:docChgLst>
+    <pc:chgData name="Zhao Jin" userId="cd05a825-544c-438a-9ba1-08e63db50b47" providerId="ADAL" clId="{2707BC5D-D3D5-477E-B1F5-A74E6C040B7D}"/>
+    <pc:docChg chg="undo custSel addSld delSld modSld">
+      <pc:chgData name="Zhao Jin" userId="cd05a825-544c-438a-9ba1-08e63db50b47" providerId="ADAL" clId="{2707BC5D-D3D5-477E-B1F5-A74E6C040B7D}" dt="2024-02-13T01:39:17.114" v="16" actId="20577"/>
+      <pc:docMkLst>
+        <pc:docMk/>
+      </pc:docMkLst>
+      <pc:sldChg chg="add del">
+        <pc:chgData name="Zhao Jin" userId="cd05a825-544c-438a-9ba1-08e63db50b47" providerId="ADAL" clId="{2707BC5D-D3D5-477E-B1F5-A74E6C040B7D}" dt="2024-02-13T01:38:52.557" v="4"/>
+        <pc:sldMkLst>
+          <pc:docMk/>
+          <pc:sldMk cId="1903328497" sldId="521"/>
+        </pc:sldMkLst>
+      </pc:sldChg>
+      <pc:sldChg chg="add del">
+        <pc:chgData name="Zhao Jin" userId="cd05a825-544c-438a-9ba1-08e63db50b47" providerId="ADAL" clId="{2707BC5D-D3D5-477E-B1F5-A74E6C040B7D}" dt="2024-02-13T01:38:44.462" v="1" actId="47"/>
+        <pc:sldMkLst>
+          <pc:docMk/>
+          <pc:sldMk cId="1427618944" sldId="553"/>
+        </pc:sldMkLst>
+      </pc:sldChg>
+      <pc:sldChg chg="addSp delSp modSp add del mod delAnim">
+        <pc:chgData name="Zhao Jin" userId="cd05a825-544c-438a-9ba1-08e63db50b47" providerId="ADAL" clId="{2707BC5D-D3D5-477E-B1F5-A74E6C040B7D}" dt="2024-02-13T01:39:17.114" v="16" actId="20577"/>
+        <pc:sldMkLst>
+          <pc:docMk/>
+          <pc:sldMk cId="92291925" sldId="563"/>
+        </pc:sldMkLst>
+        <pc:spChg chg="add del mod">
+          <ac:chgData name="Zhao Jin" userId="cd05a825-544c-438a-9ba1-08e63db50b47" providerId="ADAL" clId="{2707BC5D-D3D5-477E-B1F5-A74E6C040B7D}" dt="2024-02-13T01:39:04.225" v="7" actId="478"/>
+          <ac:spMkLst>
+            <pc:docMk/>
+            <pc:sldMk cId="92291925" sldId="563"/>
+            <ac:spMk id="4" creationId="{E7A90195-299B-BF93-75AA-B728C0490C00}"/>
+          </ac:spMkLst>
+        </pc:spChg>
+        <pc:spChg chg="add mod">
+          <ac:chgData name="Zhao Jin" userId="cd05a825-544c-438a-9ba1-08e63db50b47" providerId="ADAL" clId="{2707BC5D-D3D5-477E-B1F5-A74E6C040B7D}" dt="2024-02-13T01:39:17.114" v="16" actId="20577"/>
+          <ac:spMkLst>
+            <pc:docMk/>
+            <pc:sldMk cId="92291925" sldId="563"/>
+            <ac:spMk id="5" creationId="{925BC5A9-EBDB-3074-B2F1-8E0E7FCCCFE2}"/>
+          </ac:spMkLst>
+        </pc:spChg>
+        <pc:spChg chg="add mod">
+          <ac:chgData name="Zhao Jin" userId="cd05a825-544c-438a-9ba1-08e63db50b47" providerId="ADAL" clId="{2707BC5D-D3D5-477E-B1F5-A74E6C040B7D}" dt="2024-02-13T01:39:05.354" v="8"/>
+          <ac:spMkLst>
+            <pc:docMk/>
+            <pc:sldMk cId="92291925" sldId="563"/>
+            <ac:spMk id="6" creationId="{D81F7CBB-1621-E323-938B-6841E0EC6C27}"/>
+          </ac:spMkLst>
+        </pc:spChg>
+        <pc:spChg chg="del">
+          <ac:chgData name="Zhao Jin" userId="cd05a825-544c-438a-9ba1-08e63db50b47" providerId="ADAL" clId="{2707BC5D-D3D5-477E-B1F5-A74E6C040B7D}" dt="2024-02-13T01:39:02.440" v="6" actId="478"/>
+          <ac:spMkLst>
+            <pc:docMk/>
+            <pc:sldMk cId="92291925" sldId="563"/>
+            <ac:spMk id="86" creationId="{00000000-0000-0000-0000-000000000000}"/>
+          </ac:spMkLst>
+        </pc:spChg>
+        <pc:spChg chg="del">
+          <ac:chgData name="Zhao Jin" userId="cd05a825-544c-438a-9ba1-08e63db50b47" providerId="ADAL" clId="{2707BC5D-D3D5-477E-B1F5-A74E6C040B7D}" dt="2024-02-13T01:39:02.440" v="6" actId="478"/>
+          <ac:spMkLst>
+            <pc:docMk/>
+            <pc:sldMk cId="92291925" sldId="563"/>
+            <ac:spMk id="87" creationId="{00000000-0000-0000-0000-000000000000}"/>
+          </ac:spMkLst>
+        </pc:spChg>
+        <pc:spChg chg="del">
+          <ac:chgData name="Zhao Jin" userId="cd05a825-544c-438a-9ba1-08e63db50b47" providerId="ADAL" clId="{2707BC5D-D3D5-477E-B1F5-A74E6C040B7D}" dt="2024-02-13T01:39:02.440" v="6" actId="478"/>
+          <ac:spMkLst>
+            <pc:docMk/>
+            <pc:sldMk cId="92291925" sldId="563"/>
+            <ac:spMk id="88" creationId="{00000000-0000-0000-0000-000000000000}"/>
+          </ac:spMkLst>
+        </pc:spChg>
+        <pc:spChg chg="del">
+          <ac:chgData name="Zhao Jin" userId="cd05a825-544c-438a-9ba1-08e63db50b47" providerId="ADAL" clId="{2707BC5D-D3D5-477E-B1F5-A74E6C040B7D}" dt="2024-02-13T01:39:02.440" v="6" actId="478"/>
+          <ac:spMkLst>
+            <pc:docMk/>
+            <pc:sldMk cId="92291925" sldId="563"/>
+            <ac:spMk id="14338" creationId="{00000000-0000-0000-0000-000000000000}"/>
+          </ac:spMkLst>
+        </pc:spChg>
+        <pc:picChg chg="add mod">
+          <ac:chgData name="Zhao Jin" userId="cd05a825-544c-438a-9ba1-08e63db50b47" providerId="ADAL" clId="{2707BC5D-D3D5-477E-B1F5-A74E6C040B7D}" dt="2024-02-13T01:39:05.354" v="8"/>
+          <ac:picMkLst>
+            <pc:docMk/>
+            <pc:sldMk cId="92291925" sldId="563"/>
+            <ac:picMk id="8" creationId="{FF54709F-D8F8-6758-88EB-AB5E61ED07C2}"/>
+          </ac:picMkLst>
+        </pc:picChg>
+        <pc:picChg chg="add mod">
+          <ac:chgData name="Zhao Jin" userId="cd05a825-544c-438a-9ba1-08e63db50b47" providerId="ADAL" clId="{2707BC5D-D3D5-477E-B1F5-A74E6C040B7D}" dt="2024-02-13T01:39:05.354" v="8"/>
+          <ac:picMkLst>
+            <pc:docMk/>
+            <pc:sldMk cId="92291925" sldId="563"/>
+            <ac:picMk id="9" creationId="{048DBF11-32BE-EBB6-F5A9-F0D1B1DF8E91}"/>
+          </ac:picMkLst>
+        </pc:picChg>
+        <pc:picChg chg="add mod">
+          <ac:chgData name="Zhao Jin" userId="cd05a825-544c-438a-9ba1-08e63db50b47" providerId="ADAL" clId="{2707BC5D-D3D5-477E-B1F5-A74E6C040B7D}" dt="2024-02-13T01:39:05.354" v="8"/>
+          <ac:picMkLst>
+            <pc:docMk/>
+            <pc:sldMk cId="92291925" sldId="563"/>
+            <ac:picMk id="10" creationId="{77ED7787-EA07-20B8-FDD9-C74C4617F533}"/>
+          </ac:picMkLst>
+        </pc:picChg>
+        <pc:picChg chg="del">
+          <ac:chgData name="Zhao Jin" userId="cd05a825-544c-438a-9ba1-08e63db50b47" providerId="ADAL" clId="{2707BC5D-D3D5-477E-B1F5-A74E6C040B7D}" dt="2024-02-13T01:39:02.440" v="6" actId="478"/>
+          <ac:picMkLst>
+            <pc:docMk/>
+            <pc:sldMk cId="92291925" sldId="563"/>
+            <ac:picMk id="89" creationId="{00000000-0000-0000-0000-000000000000}"/>
+          </ac:picMkLst>
+        </pc:picChg>
+        <pc:picChg chg="del">
+          <ac:chgData name="Zhao Jin" userId="cd05a825-544c-438a-9ba1-08e63db50b47" providerId="ADAL" clId="{2707BC5D-D3D5-477E-B1F5-A74E6C040B7D}" dt="2024-02-13T01:39:02.440" v="6" actId="478"/>
+          <ac:picMkLst>
+            <pc:docMk/>
+            <pc:sldMk cId="92291925" sldId="563"/>
+            <ac:picMk id="90" creationId="{00000000-0000-0000-0000-000000000000}"/>
+          </ac:picMkLst>
+        </pc:picChg>
+      </pc:sldChg>
+    </pc:docChg>
+  </pc:docChgLst>
+  <pc:docChgLst>
     <pc:chgData name="Zhao Jin" userId="cd05a825-544c-438a-9ba1-08e63db50b47" providerId="ADAL" clId="{37A0D694-38DA-4421-B5D3-DEDBFC2EC57C}"/>
     <pc:docChg chg="undo redo custSel mod addSld delSld modSld sldOrd modMainMaster">
       <pc:chgData name="Zhao Jin" userId="cd05a825-544c-438a-9ba1-08e63db50b47" providerId="ADAL" clId="{37A0D694-38DA-4421-B5D3-DEDBFC2EC57C}" dt="2021-02-10T03:56:06.306" v="4973" actId="20577"/>
@@ -6379,7 +6505,7 @@
               <a:pPr>
                 <a:defRPr/>
               </a:pPr>
-              <a:t>1/31/2024</a:t>
+              <a:t>2/13/2024</a:t>
             </a:fld>
             <a:endParaRPr lang="en-US" dirty="0"/>
           </a:p>
@@ -7047,7 +7173,7 @@
     </p:spTree>
     <p:extLst>
       <p:ext uri="{BB962C8B-B14F-4D97-AF65-F5344CB8AC3E}">
-        <p14:creationId xmlns:p14="http://schemas.microsoft.com/office/powerpoint/2010/main" val="822163349"/>
+        <p14:creationId xmlns:p14="http://schemas.microsoft.com/office/powerpoint/2010/main" val="1560920463"/>
       </p:ext>
     </p:extLst>
   </p:cSld>
@@ -7164,7 +7290,7 @@
     </p:spTree>
     <p:extLst>
       <p:ext uri="{BB962C8B-B14F-4D97-AF65-F5344CB8AC3E}">
-        <p14:creationId xmlns:p14="http://schemas.microsoft.com/office/powerpoint/2010/main" val="1560920463"/>
+        <p14:creationId xmlns:p14="http://schemas.microsoft.com/office/powerpoint/2010/main" val="822163349"/>
       </p:ext>
     </p:extLst>
   </p:cSld>
@@ -13405,7 +13531,7 @@
                 <a:latin typeface="Courier New" panose="02070309020205020404" pitchFamily="49" charset="0"/>
                 <a:cs typeface="Courier New" panose="02070309020205020404" pitchFamily="49" charset="0"/>
               </a:rPr>
-              <a:t> num=lower; num&lt;=upper; num++) {</a:t>
+              <a:t> num=lower; num&lt;=upper; num+=1) {</a:t>
             </a:r>
           </a:p>
           <a:p>
@@ -13419,7 +13545,7 @@
                 <a:latin typeface="Courier New" panose="02070309020205020404" pitchFamily="49" charset="0"/>
                 <a:cs typeface="Courier New" panose="02070309020205020404" pitchFamily="49" charset="0"/>
               </a:rPr>
-              <a:t>	  cs1010_print_long(num);</a:t>
+              <a:t>	  cs1010_println_long(num);</a:t>
             </a:r>
           </a:p>
           <a:p>
@@ -13479,7 +13605,7 @@
         </p:nvSpPr>
         <p:spPr>
           <a:xfrm>
-            <a:off x="1041149" y="1819747"/>
+            <a:off x="1127156" y="1820061"/>
             <a:ext cx="6889687" cy="1222217"/>
           </a:xfrm>
           <a:prstGeom prst="rect">
@@ -14153,7 +14279,7 @@
           <a:lstStyle/>
           <a:p>
             <a:r>
-              <a:rPr lang="en-GB" sz="3600">
+              <a:rPr lang="en-GB" sz="3600" dirty="0">
                 <a:solidFill>
                   <a:srgbClr val="0000FF"/>
                 </a:solidFill>
@@ -14161,7 +14287,7 @@
               <a:t>The </a:t>
             </a:r>
             <a:r>
-              <a:rPr lang="en-GB" sz="3600" i="1">
+              <a:rPr lang="en-GB" sz="3600" i="1" dirty="0">
                 <a:solidFill>
                   <a:srgbClr val="0000FF"/>
                 </a:solidFill>
@@ -14170,18 +14296,13 @@
               <a:t>while</a:t>
             </a:r>
             <a:r>
-              <a:rPr lang="en-GB" sz="3600">
+              <a:rPr lang="en-GB" sz="3600" dirty="0">
                 <a:solidFill>
                   <a:srgbClr val="0000FF"/>
                 </a:solidFill>
               </a:rPr>
               <a:t> Loop </a:t>
             </a:r>
-            <a:endParaRPr lang="en-GB" sz="3600" dirty="0">
-              <a:solidFill>
-                <a:srgbClr val="0000FF"/>
-              </a:solidFill>
-            </a:endParaRPr>
           </a:p>
         </p:txBody>
       </p:sp>
@@ -14207,7 +14328,11 @@
             </a:pPr>
             <a:r>
               <a:rPr lang="en-US" sz="1200" dirty="0"/>
-              <a:t>Unit11 - </a:t>
+              <a:t>Unit11</a:t>
+            </a:r>
+            <a:r>
+              <a:rPr sz="1200" dirty="0"/>
+              <a:t> - </a:t>
             </a:r>
             <a:fld id="{F7EC234A-9094-4BB8-9EA4-75ECDA8A365B}" type="slidenum">
               <a:rPr sz="1200" smtClean="0"/>
@@ -14215,227 +14340,6 @@
                 <a:defRPr/>
               </a:pPr>
               <a:t>12</a:t>
-            </a:fld>
-            <a:endParaRPr sz="1200" dirty="0"/>
-          </a:p>
-        </p:txBody>
-      </p:sp>
-      <p:sp>
-        <p:nvSpPr>
-          <p:cNvPr id="12" name="[Date Placeholder 3]"/>
-          <p:cNvSpPr>
-            <a:spLocks noGrp="1"/>
-          </p:cNvSpPr>
-          <p:nvPr>
-            <p:ph type="dt" sz="half" idx="10"/>
-          </p:nvPr>
-        </p:nvSpPr>
-        <p:spPr>
-          <a:xfrm>
-            <a:off x="457200" y="18288"/>
-            <a:ext cx="2895600" cy="329184"/>
-          </a:xfrm>
-        </p:spPr>
-        <p:txBody>
-          <a:bodyPr/>
-          <a:lstStyle/>
-          <a:p>
-            <a:pPr>
-              <a:defRPr/>
-            </a:pPr>
-            <a:r>
-              <a:rPr lang="en-US"/>
-              <a:t>© NUS</a:t>
-            </a:r>
-            <a:endParaRPr lang="en-US" dirty="0"/>
-          </a:p>
-        </p:txBody>
-      </p:sp>
-      <p:pic>
-        <p:nvPicPr>
-          <p:cNvPr id="6" name="Picture 5" descr="A picture containing letter&#10;&#10;Description automatically generated">
-            <a:extLst>
-              <a:ext uri="{FF2B5EF4-FFF2-40B4-BE49-F238E27FC236}">
-                <a16:creationId xmlns:a16="http://schemas.microsoft.com/office/drawing/2014/main" id="{39011840-BE31-4880-9492-02AACF59B6E8}"/>
-              </a:ext>
-            </a:extLst>
-          </p:cNvPr>
-          <p:cNvPicPr>
-            <a:picLocks noChangeAspect="1"/>
-          </p:cNvPicPr>
-          <p:nvPr/>
-        </p:nvPicPr>
-        <p:blipFill>
-          <a:blip r:embed="rId3">
-            <a:extLst>
-              <a:ext uri="{28A0092B-C50C-407E-A947-70E740481C1C}">
-                <a14:useLocalDpi xmlns:a14="http://schemas.microsoft.com/office/drawing/2010/main" val="0"/>
-              </a:ext>
-            </a:extLst>
-          </a:blip>
-          <a:stretch>
-            <a:fillRect/>
-          </a:stretch>
-        </p:blipFill>
-        <p:spPr>
-          <a:xfrm>
-            <a:off x="2393496" y="1441704"/>
-            <a:ext cx="4357007" cy="4879848"/>
-          </a:xfrm>
-          <a:prstGeom prst="rect">
-            <a:avLst/>
-          </a:prstGeom>
-        </p:spPr>
-      </p:pic>
-      <p:sp>
-        <p:nvSpPr>
-          <p:cNvPr id="2" name="Footer Placeholder 1">
-            <a:extLst>
-              <a:ext uri="{FF2B5EF4-FFF2-40B4-BE49-F238E27FC236}">
-                <a16:creationId xmlns:a16="http://schemas.microsoft.com/office/drawing/2014/main" id="{35EB762E-5415-EA5E-DC97-93CA91A7C17C}"/>
-              </a:ext>
-            </a:extLst>
-          </p:cNvPr>
-          <p:cNvSpPr>
-            <a:spLocks noGrp="1"/>
-          </p:cNvSpPr>
-          <p:nvPr>
-            <p:ph type="ftr" sz="quarter" idx="11"/>
-          </p:nvPr>
-        </p:nvSpPr>
-        <p:spPr/>
-        <p:txBody>
-          <a:bodyPr/>
-          <a:lstStyle/>
-          <a:p>
-            <a:pPr algn="l">
-              <a:defRPr/>
-            </a:pPr>
-            <a:r>
-              <a:rPr lang="en-US"/>
-              <a:t>CS1010 (AY2023/24 Semester 2)</a:t>
-            </a:r>
-            <a:endParaRPr lang="en-US" dirty="0"/>
-          </a:p>
-        </p:txBody>
-      </p:sp>
-    </p:spTree>
-    <p:extLst>
-      <p:ext uri="{BB962C8B-B14F-4D97-AF65-F5344CB8AC3E}">
-        <p14:creationId xmlns:p14="http://schemas.microsoft.com/office/powerpoint/2010/main" val="2930953569"/>
-      </p:ext>
-    </p:extLst>
-  </p:cSld>
-  <p:clrMapOvr>
-    <a:masterClrMapping/>
-  </p:clrMapOvr>
-  <p:transition>
-    <p:fade/>
-  </p:transition>
-</p:sld>
-</file>
-
-<file path=ppt/slides/slide13.xml><?xml version="1.0" encoding="utf-8"?>
-<p:sld xmlns:a="http://schemas.openxmlformats.org/drawingml/2006/main" xmlns:r="http://schemas.openxmlformats.org/officeDocument/2006/relationships" xmlns:p="http://schemas.openxmlformats.org/presentationml/2006/main">
-  <p:cSld>
-    <p:spTree>
-      <p:nvGrpSpPr>
-        <p:cNvPr id="1" name=""/>
-        <p:cNvGrpSpPr/>
-        <p:nvPr/>
-      </p:nvGrpSpPr>
-      <p:grpSpPr>
-        <a:xfrm>
-          <a:off x="0" y="0"/>
-          <a:ext cx="0" cy="0"/>
-          <a:chOff x="0" y="0"/>
-          <a:chExt cx="0" cy="0"/>
-        </a:xfrm>
-      </p:grpSpPr>
-      <p:sp>
-        <p:nvSpPr>
-          <p:cNvPr id="14338" name="Rectangle 2"/>
-          <p:cNvSpPr>
-            <a:spLocks noGrp="1" noChangeArrowheads="1"/>
-          </p:cNvSpPr>
-          <p:nvPr>
-            <p:ph type="title"/>
-          </p:nvPr>
-        </p:nvSpPr>
-        <p:spPr>
-          <a:xfrm>
-            <a:off x="533400" y="381000"/>
-            <a:ext cx="8382000" cy="838200"/>
-          </a:xfrm>
-        </p:spPr>
-        <p:txBody>
-          <a:bodyPr>
-            <a:normAutofit/>
-          </a:bodyPr>
-          <a:lstStyle/>
-          <a:p>
-            <a:r>
-              <a:rPr lang="en-GB" sz="3600" dirty="0">
-                <a:solidFill>
-                  <a:srgbClr val="0000FF"/>
-                </a:solidFill>
-              </a:rPr>
-              <a:t>The </a:t>
-            </a:r>
-            <a:r>
-              <a:rPr lang="en-GB" sz="3600" i="1" dirty="0">
-                <a:solidFill>
-                  <a:srgbClr val="0000FF"/>
-                </a:solidFill>
-                <a:latin typeface="Garamond" panose="02020404030301010803" pitchFamily="18" charset="0"/>
-              </a:rPr>
-              <a:t>while</a:t>
-            </a:r>
-            <a:r>
-              <a:rPr lang="en-GB" sz="3600" dirty="0">
-                <a:solidFill>
-                  <a:srgbClr val="0000FF"/>
-                </a:solidFill>
-              </a:rPr>
-              <a:t> Loop </a:t>
-            </a:r>
-          </a:p>
-        </p:txBody>
-      </p:sp>
-      <p:sp>
-        <p:nvSpPr>
-          <p:cNvPr id="7" name="Slide Number Placeholder 6"/>
-          <p:cNvSpPr>
-            <a:spLocks noGrp="1"/>
-          </p:cNvSpPr>
-          <p:nvPr>
-            <p:ph type="sldNum" sz="quarter" idx="12"/>
-          </p:nvPr>
-        </p:nvSpPr>
-        <p:spPr/>
-        <p:txBody>
-          <a:bodyPr>
-            <a:normAutofit/>
-          </a:bodyPr>
-          <a:lstStyle/>
-          <a:p>
-            <a:pPr>
-              <a:defRPr/>
-            </a:pPr>
-            <a:r>
-              <a:rPr lang="en-US" sz="1200" dirty="0"/>
-              <a:t>Unit11</a:t>
-            </a:r>
-            <a:r>
-              <a:rPr sz="1200" dirty="0"/>
-              <a:t> - </a:t>
-            </a:r>
-            <a:fld id="{F7EC234A-9094-4BB8-9EA4-75ECDA8A365B}" type="slidenum">
-              <a:rPr sz="1200" smtClean="0"/>
-              <a:pPr>
-                <a:defRPr/>
-              </a:pPr>
-              <a:t>13</a:t>
             </a:fld>
             <a:endParaRPr sz="1200" dirty="0"/>
           </a:p>
@@ -15117,7 +15021,7 @@
                 <a:latin typeface="Courier New" panose="02070309020205020404" pitchFamily="49" charset="0"/>
                 <a:cs typeface="Courier New" panose="02070309020205020404" pitchFamily="49" charset="0"/>
               </a:rPr>
-              <a:t>        product *= </a:t>
+              <a:t>    product *= </a:t>
             </a:r>
             <a:r>
               <a:rPr lang="en-US" b="1" dirty="0" err="1">
@@ -15199,6 +15103,306 @@
     <p:extLst>
       <p:ext uri="{BB962C8B-B14F-4D97-AF65-F5344CB8AC3E}">
         <p14:creationId xmlns:p14="http://schemas.microsoft.com/office/powerpoint/2010/main" val="2217225800"/>
+      </p:ext>
+    </p:extLst>
+  </p:cSld>
+  <p:clrMapOvr>
+    <a:masterClrMapping/>
+  </p:clrMapOvr>
+  <p:transition>
+    <p:fade/>
+  </p:transition>
+  <p:timing>
+    <p:tnLst>
+      <p:par>
+        <p:cTn id="1" dur="indefinite" restart="never" nodeType="tmRoot">
+          <p:childTnLst>
+            <p:seq concurrent="1" nextAc="seek">
+              <p:cTn id="2" dur="indefinite" nodeType="mainSeq">
+                <p:childTnLst>
+                  <p:par>
+                    <p:cTn id="3" fill="hold">
+                      <p:stCondLst>
+                        <p:cond delay="indefinite"/>
+                      </p:stCondLst>
+                      <p:childTnLst>
+                        <p:par>
+                          <p:cTn id="4" fill="hold">
+                            <p:stCondLst>
+                              <p:cond delay="0"/>
+                            </p:stCondLst>
+                            <p:childTnLst>
+                              <p:par>
+                                <p:cTn id="5" presetID="1" presetClass="entr" presetSubtype="0" fill="hold" grpId="0" nodeType="clickEffect">
+                                  <p:stCondLst>
+                                    <p:cond delay="0"/>
+                                  </p:stCondLst>
+                                  <p:childTnLst>
+                                    <p:set>
+                                      <p:cBhvr>
+                                        <p:cTn id="6" dur="1" fill="hold">
+                                          <p:stCondLst>
+                                            <p:cond delay="0"/>
+                                          </p:stCondLst>
+                                        </p:cTn>
+                                        <p:tgtEl>
+                                          <p:spTgt spid="11"/>
+                                        </p:tgtEl>
+                                        <p:attrNameLst>
+                                          <p:attrName>style.visibility</p:attrName>
+                                        </p:attrNameLst>
+                                      </p:cBhvr>
+                                      <p:to>
+                                        <p:strVal val="visible"/>
+                                      </p:to>
+                                    </p:set>
+                                  </p:childTnLst>
+                                </p:cTn>
+                              </p:par>
+                            </p:childTnLst>
+                          </p:cTn>
+                        </p:par>
+                      </p:childTnLst>
+                    </p:cTn>
+                  </p:par>
+                </p:childTnLst>
+              </p:cTn>
+              <p:prevCondLst>
+                <p:cond evt="onPrev" delay="0">
+                  <p:tgtEl>
+                    <p:sldTgt/>
+                  </p:tgtEl>
+                </p:cond>
+              </p:prevCondLst>
+              <p:nextCondLst>
+                <p:cond evt="onNext" delay="0">
+                  <p:tgtEl>
+                    <p:sldTgt/>
+                  </p:tgtEl>
+                </p:cond>
+              </p:nextCondLst>
+            </p:seq>
+          </p:childTnLst>
+        </p:cTn>
+      </p:par>
+    </p:tnLst>
+    <p:bldLst>
+      <p:bldP spid="11" grpId="0" animBg="1"/>
+    </p:bldLst>
+  </p:timing>
+</p:sld>
+</file>
+
+<file path=ppt/slides/slide13.xml><?xml version="1.0" encoding="utf-8"?>
+<p:sld xmlns:a="http://schemas.openxmlformats.org/drawingml/2006/main" xmlns:r="http://schemas.openxmlformats.org/officeDocument/2006/relationships" xmlns:p="http://schemas.openxmlformats.org/presentationml/2006/main">
+  <p:cSld>
+    <p:spTree>
+      <p:nvGrpSpPr>
+        <p:cNvPr id="1" name=""/>
+        <p:cNvGrpSpPr/>
+        <p:nvPr/>
+      </p:nvGrpSpPr>
+      <p:grpSpPr>
+        <a:xfrm>
+          <a:off x="0" y="0"/>
+          <a:ext cx="0" cy="0"/>
+          <a:chOff x="0" y="0"/>
+          <a:chExt cx="0" cy="0"/>
+        </a:xfrm>
+      </p:grpSpPr>
+      <p:sp>
+        <p:nvSpPr>
+          <p:cNvPr id="14338" name="Rectangle 2"/>
+          <p:cNvSpPr>
+            <a:spLocks noGrp="1" noChangeArrowheads="1"/>
+          </p:cNvSpPr>
+          <p:nvPr>
+            <p:ph type="title"/>
+          </p:nvPr>
+        </p:nvSpPr>
+        <p:spPr>
+          <a:xfrm>
+            <a:off x="533400" y="381000"/>
+            <a:ext cx="8382000" cy="838200"/>
+          </a:xfrm>
+        </p:spPr>
+        <p:txBody>
+          <a:bodyPr>
+            <a:normAutofit/>
+          </a:bodyPr>
+          <a:lstStyle/>
+          <a:p>
+            <a:r>
+              <a:rPr lang="en-GB" sz="3600">
+                <a:solidFill>
+                  <a:srgbClr val="0000FF"/>
+                </a:solidFill>
+              </a:rPr>
+              <a:t>The </a:t>
+            </a:r>
+            <a:r>
+              <a:rPr lang="en-GB" sz="3600" i="1">
+                <a:solidFill>
+                  <a:srgbClr val="0000FF"/>
+                </a:solidFill>
+                <a:latin typeface="Garamond" panose="02020404030301010803" pitchFamily="18" charset="0"/>
+              </a:rPr>
+              <a:t>while</a:t>
+            </a:r>
+            <a:r>
+              <a:rPr lang="en-GB" sz="3600">
+                <a:solidFill>
+                  <a:srgbClr val="0000FF"/>
+                </a:solidFill>
+              </a:rPr>
+              <a:t> Loop </a:t>
+            </a:r>
+            <a:endParaRPr lang="en-GB" sz="3600" dirty="0">
+              <a:solidFill>
+                <a:srgbClr val="0000FF"/>
+              </a:solidFill>
+            </a:endParaRPr>
+          </a:p>
+        </p:txBody>
+      </p:sp>
+      <p:sp>
+        <p:nvSpPr>
+          <p:cNvPr id="7" name="Slide Number Placeholder 6"/>
+          <p:cNvSpPr>
+            <a:spLocks noGrp="1"/>
+          </p:cNvSpPr>
+          <p:nvPr>
+            <p:ph type="sldNum" sz="quarter" idx="12"/>
+          </p:nvPr>
+        </p:nvSpPr>
+        <p:spPr/>
+        <p:txBody>
+          <a:bodyPr>
+            <a:normAutofit/>
+          </a:bodyPr>
+          <a:lstStyle/>
+          <a:p>
+            <a:pPr>
+              <a:defRPr/>
+            </a:pPr>
+            <a:r>
+              <a:rPr lang="en-US" sz="1200" dirty="0"/>
+              <a:t>Unit11 - </a:t>
+            </a:r>
+            <a:fld id="{F7EC234A-9094-4BB8-9EA4-75ECDA8A365B}" type="slidenum">
+              <a:rPr sz="1200" smtClean="0"/>
+              <a:pPr>
+                <a:defRPr/>
+              </a:pPr>
+              <a:t>13</a:t>
+            </a:fld>
+            <a:endParaRPr sz="1200" dirty="0"/>
+          </a:p>
+        </p:txBody>
+      </p:sp>
+      <p:sp>
+        <p:nvSpPr>
+          <p:cNvPr id="12" name="[Date Placeholder 3]"/>
+          <p:cNvSpPr>
+            <a:spLocks noGrp="1"/>
+          </p:cNvSpPr>
+          <p:nvPr>
+            <p:ph type="dt" sz="half" idx="10"/>
+          </p:nvPr>
+        </p:nvSpPr>
+        <p:spPr>
+          <a:xfrm>
+            <a:off x="457200" y="18288"/>
+            <a:ext cx="2895600" cy="329184"/>
+          </a:xfrm>
+        </p:spPr>
+        <p:txBody>
+          <a:bodyPr/>
+          <a:lstStyle/>
+          <a:p>
+            <a:pPr>
+              <a:defRPr/>
+            </a:pPr>
+            <a:r>
+              <a:rPr lang="en-US"/>
+              <a:t>© NUS</a:t>
+            </a:r>
+            <a:endParaRPr lang="en-US" dirty="0"/>
+          </a:p>
+        </p:txBody>
+      </p:sp>
+      <p:pic>
+        <p:nvPicPr>
+          <p:cNvPr id="6" name="Picture 5" descr="A picture containing letter&#10;&#10;Description automatically generated">
+            <a:extLst>
+              <a:ext uri="{FF2B5EF4-FFF2-40B4-BE49-F238E27FC236}">
+                <a16:creationId xmlns:a16="http://schemas.microsoft.com/office/drawing/2014/main" id="{39011840-BE31-4880-9492-02AACF59B6E8}"/>
+              </a:ext>
+            </a:extLst>
+          </p:cNvPr>
+          <p:cNvPicPr>
+            <a:picLocks noChangeAspect="1"/>
+          </p:cNvPicPr>
+          <p:nvPr/>
+        </p:nvPicPr>
+        <p:blipFill>
+          <a:blip r:embed="rId3">
+            <a:extLst>
+              <a:ext uri="{28A0092B-C50C-407E-A947-70E740481C1C}">
+                <a14:useLocalDpi xmlns:a14="http://schemas.microsoft.com/office/drawing/2010/main" val="0"/>
+              </a:ext>
+            </a:extLst>
+          </a:blip>
+          <a:stretch>
+            <a:fillRect/>
+          </a:stretch>
+        </p:blipFill>
+        <p:spPr>
+          <a:xfrm>
+            <a:off x="2393496" y="1441704"/>
+            <a:ext cx="4357007" cy="4879848"/>
+          </a:xfrm>
+          <a:prstGeom prst="rect">
+            <a:avLst/>
+          </a:prstGeom>
+        </p:spPr>
+      </p:pic>
+      <p:sp>
+        <p:nvSpPr>
+          <p:cNvPr id="2" name="Footer Placeholder 1">
+            <a:extLst>
+              <a:ext uri="{FF2B5EF4-FFF2-40B4-BE49-F238E27FC236}">
+                <a16:creationId xmlns:a16="http://schemas.microsoft.com/office/drawing/2014/main" id="{35EB762E-5415-EA5E-DC97-93CA91A7C17C}"/>
+              </a:ext>
+            </a:extLst>
+          </p:cNvPr>
+          <p:cNvSpPr>
+            <a:spLocks noGrp="1"/>
+          </p:cNvSpPr>
+          <p:nvPr>
+            <p:ph type="ftr" sz="quarter" idx="11"/>
+          </p:nvPr>
+        </p:nvSpPr>
+        <p:spPr/>
+        <p:txBody>
+          <a:bodyPr/>
+          <a:lstStyle/>
+          <a:p>
+            <a:pPr algn="l">
+              <a:defRPr/>
+            </a:pPr>
+            <a:r>
+              <a:rPr lang="en-US"/>
+              <a:t>CS1010 (AY2023/24 Semester 2)</a:t>
+            </a:r>
+            <a:endParaRPr lang="en-US" dirty="0"/>
+          </a:p>
+        </p:txBody>
+      </p:sp>
+    </p:spTree>
+    <p:extLst>
+      <p:ext uri="{BB962C8B-B14F-4D97-AF65-F5344CB8AC3E}">
+        <p14:creationId xmlns:p14="http://schemas.microsoft.com/office/powerpoint/2010/main" val="2930953569"/>
       </p:ext>
     </p:extLst>
   </p:cSld>
@@ -16004,14 +16208,14 @@
           <p:nvPr>
             <p:extLst>
               <p:ext uri="{D42A27DB-BD31-4B8C-83A1-F6EECF244321}">
-                <p14:modId xmlns:p14="http://schemas.microsoft.com/office/powerpoint/2010/main" val="2913575788"/>
+                <p14:modId xmlns:p14="http://schemas.microsoft.com/office/powerpoint/2010/main" val="4174182465"/>
               </p:ext>
             </p:extLst>
           </p:nvPr>
         </p:nvGraphicFramePr>
         <p:xfrm>
           <a:off x="643025" y="4823156"/>
-          <a:ext cx="5200333" cy="1463040"/>
+          <a:ext cx="5420891" cy="1463040"/>
         </p:xfrm>
         <a:graphic>
           <a:graphicData uri="http://schemas.openxmlformats.org/drawingml/2006/table">
@@ -16041,7 +16245,7 @@
                     </a:ext>
                   </a:extLst>
                 </a:gridCol>
-                <a:gridCol w="2816543">
+                <a:gridCol w="3037101">
                   <a:extLst>
                     <a:ext uri="{9D8B030D-6E8A-4147-A177-3AD203B41FA5}">
                       <a16:colId xmlns:a16="http://schemas.microsoft.com/office/drawing/2014/main" val="1647156905"/>
@@ -16237,7 +16441,7 @@
                     <a:p>
                       <a:r>
                         <a:rPr lang="en-US" dirty="0"/>
-                        <a:t>After the first round…</a:t>
+                        <a:t>After the first iteration…</a:t>
                       </a:r>
                     </a:p>
                   </a:txBody>
@@ -16324,7 +16528,7 @@
                       </a:pPr>
                       <a:r>
                         <a:rPr lang="en-US" dirty="0"/>
-                        <a:t>After the second round…</a:t>
+                        <a:t>After the second iteration…</a:t>
                       </a:r>
                     </a:p>
                   </a:txBody>
@@ -16476,7 +16680,7 @@
         <p:spPr>
           <a:xfrm>
             <a:off x="643025" y="1275194"/>
-            <a:ext cx="4991725" cy="2862322"/>
+            <a:ext cx="5159899" cy="2862322"/>
           </a:xfrm>
           <a:prstGeom prst="rect">
             <a:avLst/>
@@ -16535,14 +16739,14 @@
               <a:t>print_digits</a:t>
             </a:r>
             <a:r>
-              <a:rPr lang="en-US" sz="2000" b="1">
+              <a:rPr lang="en-US" sz="2000" b="1" dirty="0">
                 <a:latin typeface="Courier New" pitchFamily="49" charset="0"/>
                 <a:cs typeface="Courier New" pitchFamily="49" charset="0"/>
               </a:rPr>
               <a:t>(</a:t>
             </a:r>
             <a:r>
-              <a:rPr lang="en-US" sz="2000" b="1">
+              <a:rPr lang="en-US" sz="2000" b="1" dirty="0">
                 <a:solidFill>
                   <a:srgbClr val="0000FF"/>
                 </a:solidFill>
@@ -16736,7 +16940,7 @@
                 <a:latin typeface="Courier New" pitchFamily="49" charset="0"/>
                 <a:cs typeface="Courier New" pitchFamily="49" charset="0"/>
               </a:rPr>
-              <a:t>		CS1010_print_long(digit);</a:t>
+              <a:t>		CS1010_println_long(digit);</a:t>
             </a:r>
           </a:p>
           <a:p>
@@ -16830,7 +17034,7 @@
         </p:nvSpPr>
         <p:spPr>
           <a:xfrm>
-            <a:off x="5802924" y="2382176"/>
+            <a:off x="5899179" y="2382176"/>
             <a:ext cx="3112476" cy="1200329"/>
           </a:xfrm>
           <a:prstGeom prst="rect">
@@ -20282,7 +20486,7 @@
           <a:p>
             <a:r>
               <a:rPr lang="en-US" dirty="0"/>
-              <a:t>These two are NOT completely the same!</a:t>
+              <a:t>These two are NOT exactly the same!</a:t>
             </a:r>
           </a:p>
         </p:txBody>
@@ -24663,45 +24867,6 @@
       </p:grpSpPr>
       <p:sp>
         <p:nvSpPr>
-          <p:cNvPr id="14338" name="Rectangle 2"/>
-          <p:cNvSpPr>
-            <a:spLocks noGrp="1" noChangeArrowheads="1"/>
-          </p:cNvSpPr>
-          <p:nvPr>
-            <p:ph type="title"/>
-          </p:nvPr>
-        </p:nvSpPr>
-        <p:spPr>
-          <a:xfrm>
-            <a:off x="533400" y="381000"/>
-            <a:ext cx="8382000" cy="838200"/>
-          </a:xfrm>
-        </p:spPr>
-        <p:txBody>
-          <a:bodyPr>
-            <a:normAutofit/>
-          </a:bodyPr>
-          <a:lstStyle/>
-          <a:p>
-            <a:pPr eaLnBrk="1" hangingPunct="1"/>
-            <a:r>
-              <a:rPr lang="en-GB" sz="3600">
-                <a:solidFill>
-                  <a:srgbClr val="0000FF"/>
-                </a:solidFill>
-              </a:rPr>
-              <a:t>Recall: Control Structures</a:t>
-            </a:r>
-            <a:endParaRPr lang="en-GB" sz="3600" dirty="0">
-              <a:solidFill>
-                <a:srgbClr val="0000FF"/>
-              </a:solidFill>
-            </a:endParaRPr>
-          </a:p>
-        </p:txBody>
-      </p:sp>
-      <p:sp>
-        <p:nvSpPr>
           <p:cNvPr id="7" name="Slide Number Placeholder 6"/>
           <p:cNvSpPr>
             <a:spLocks noGrp="1"/>
@@ -24776,194 +24941,6 @@
       </p:sp>
       <p:sp>
         <p:nvSpPr>
-          <p:cNvPr id="86" name="Rectangle 85"/>
-          <p:cNvSpPr/>
-          <p:nvPr/>
-        </p:nvSpPr>
-        <p:spPr>
-          <a:xfrm>
-            <a:off x="925863" y="1633210"/>
-            <a:ext cx="3454793" cy="923330"/>
-          </a:xfrm>
-          <a:prstGeom prst="rect">
-            <a:avLst/>
-          </a:prstGeom>
-          <a:noFill/>
-        </p:spPr>
-        <p:txBody>
-          <a:bodyPr wrap="none" lIns="91440" tIns="45720" rIns="91440" bIns="45720">
-            <a:spAutoFit/>
-          </a:bodyPr>
-          <a:lstStyle/>
-          <a:p>
-            <a:pPr algn="ctr"/>
-            <a:r>
-              <a:rPr lang="en-US" sz="5400" b="1" cap="none" spc="0" dirty="0">
-                <a:ln w="17780" cmpd="sng">
-                  <a:solidFill>
-                    <a:srgbClr val="FFFFFF"/>
-                  </a:solidFill>
-                  <a:prstDash val="solid"/>
-                  <a:miter lim="800000"/>
-                </a:ln>
-                <a:solidFill>
-                  <a:schemeClr val="accent1">
-                    <a:lumMod val="75000"/>
-                  </a:schemeClr>
-                </a:solidFill>
-                <a:effectLst>
-                  <a:outerShdw blurRad="50800" algn="tl" rotWithShape="0">
-                    <a:srgbClr val="000000"/>
-                  </a:outerShdw>
-                </a:effectLst>
-              </a:rPr>
-              <a:t>Sequence</a:t>
-            </a:r>
-          </a:p>
-        </p:txBody>
-      </p:sp>
-      <p:sp>
-        <p:nvSpPr>
-          <p:cNvPr id="87" name="Rectangle 86"/>
-          <p:cNvSpPr/>
-          <p:nvPr/>
-        </p:nvSpPr>
-        <p:spPr>
-          <a:xfrm>
-            <a:off x="1684110" y="3074764"/>
-            <a:ext cx="3262433" cy="923330"/>
-          </a:xfrm>
-          <a:prstGeom prst="rect">
-            <a:avLst/>
-          </a:prstGeom>
-          <a:noFill/>
-        </p:spPr>
-        <p:txBody>
-          <a:bodyPr wrap="none" lIns="91440" tIns="45720" rIns="91440" bIns="45720">
-            <a:spAutoFit/>
-          </a:bodyPr>
-          <a:lstStyle/>
-          <a:p>
-            <a:pPr algn="ctr"/>
-            <a:r>
-              <a:rPr lang="en-US" sz="5400" b="1" cap="none" spc="0" dirty="0">
-                <a:ln w="17780" cmpd="sng">
-                  <a:solidFill>
-                    <a:srgbClr val="FFFFFF"/>
-                  </a:solidFill>
-                  <a:prstDash val="solid"/>
-                  <a:miter lim="800000"/>
-                </a:ln>
-                <a:solidFill>
-                  <a:srgbClr val="006600"/>
-                </a:solidFill>
-                <a:effectLst>
-                  <a:outerShdw blurRad="50800" algn="tl" rotWithShape="0">
-                    <a:srgbClr val="000000"/>
-                  </a:outerShdw>
-                </a:effectLst>
-              </a:rPr>
-              <a:t>Selection</a:t>
-            </a:r>
-          </a:p>
-        </p:txBody>
-      </p:sp>
-      <p:sp>
-        <p:nvSpPr>
-          <p:cNvPr id="88" name="Rectangle 87"/>
-          <p:cNvSpPr/>
-          <p:nvPr/>
-        </p:nvSpPr>
-        <p:spPr>
-          <a:xfrm>
-            <a:off x="2597026" y="4351425"/>
-            <a:ext cx="3570208" cy="923330"/>
-          </a:xfrm>
-          <a:prstGeom prst="rect">
-            <a:avLst/>
-          </a:prstGeom>
-          <a:noFill/>
-        </p:spPr>
-        <p:txBody>
-          <a:bodyPr wrap="none" lIns="91440" tIns="45720" rIns="91440" bIns="45720">
-            <a:spAutoFit/>
-          </a:bodyPr>
-          <a:lstStyle/>
-          <a:p>
-            <a:pPr algn="ctr"/>
-            <a:r>
-              <a:rPr lang="en-US" sz="5400" b="1" cap="none" spc="0" dirty="0">
-                <a:ln w="17780" cmpd="sng">
-                  <a:solidFill>
-                    <a:srgbClr val="FFFFFF"/>
-                  </a:solidFill>
-                  <a:prstDash val="solid"/>
-                  <a:miter lim="800000"/>
-                </a:ln>
-                <a:solidFill>
-                  <a:srgbClr val="7030A0"/>
-                </a:solidFill>
-                <a:effectLst>
-                  <a:outerShdw blurRad="50800" algn="tl" rotWithShape="0">
-                    <a:srgbClr val="000000"/>
-                  </a:outerShdw>
-                </a:effectLst>
-              </a:rPr>
-              <a:t>Repetition</a:t>
-            </a:r>
-          </a:p>
-        </p:txBody>
-      </p:sp>
-      <p:pic>
-        <p:nvPicPr>
-          <p:cNvPr id="89" name="Picture 88" descr="tick_small.jpg"/>
-          <p:cNvPicPr>
-            <a:picLocks noChangeAspect="1"/>
-          </p:cNvPicPr>
-          <p:nvPr/>
-        </p:nvPicPr>
-        <p:blipFill>
-          <a:blip r:embed="rId3" cstate="print"/>
-          <a:stretch>
-            <a:fillRect/>
-          </a:stretch>
-        </p:blipFill>
-        <p:spPr>
-          <a:xfrm>
-            <a:off x="4596567" y="1873458"/>
-            <a:ext cx="889833" cy="667375"/>
-          </a:xfrm>
-          <a:prstGeom prst="rect">
-            <a:avLst/>
-          </a:prstGeom>
-        </p:spPr>
-      </p:pic>
-      <p:pic>
-        <p:nvPicPr>
-          <p:cNvPr id="90" name="Picture 89" descr="tick_small.jpg"/>
-          <p:cNvPicPr>
-            <a:picLocks noChangeAspect="1"/>
-          </p:cNvPicPr>
-          <p:nvPr/>
-        </p:nvPicPr>
-        <p:blipFill>
-          <a:blip r:embed="rId3" cstate="print"/>
-          <a:stretch>
-            <a:fillRect/>
-          </a:stretch>
-        </p:blipFill>
-        <p:spPr>
-          <a:xfrm>
-            <a:off x="5213663" y="3240061"/>
-            <a:ext cx="889833" cy="667375"/>
-          </a:xfrm>
-          <a:prstGeom prst="rect">
-            <a:avLst/>
-          </a:prstGeom>
-        </p:spPr>
-      </p:pic>
-      <p:sp>
-        <p:nvSpPr>
           <p:cNvPr id="2" name="Footer Placeholder 1">
             <a:extLst>
               <a:ext uri="{FF2B5EF4-FFF2-40B4-BE49-F238E27FC236}">
@@ -24994,6 +24971,429 @@
           </a:p>
         </p:txBody>
       </p:sp>
+      <p:sp>
+        <p:nvSpPr>
+          <p:cNvPr id="5" name="Rectangle 2">
+            <a:extLst>
+              <a:ext uri="{FF2B5EF4-FFF2-40B4-BE49-F238E27FC236}">
+                <a16:creationId xmlns:a16="http://schemas.microsoft.com/office/drawing/2014/main" id="{925BC5A9-EBDB-3074-B2F1-8E0E7FCCCFE2}"/>
+              </a:ext>
+            </a:extLst>
+          </p:cNvPr>
+          <p:cNvSpPr>
+            <a:spLocks noGrp="1" noChangeArrowheads="1"/>
+          </p:cNvSpPr>
+          <p:nvPr>
+            <p:ph type="title"/>
+          </p:nvPr>
+        </p:nvSpPr>
+        <p:spPr>
+          <a:xfrm>
+            <a:off x="533400" y="457200"/>
+            <a:ext cx="8153400" cy="685800"/>
+          </a:xfrm>
+        </p:spPr>
+        <p:txBody>
+          <a:bodyPr>
+            <a:normAutofit fontScale="90000"/>
+          </a:bodyPr>
+          <a:lstStyle/>
+          <a:p>
+            <a:pPr eaLnBrk="1" hangingPunct="1"/>
+            <a:r>
+              <a:rPr lang="en-GB" sz="4000">
+                <a:solidFill>
+                  <a:srgbClr val="0000FF"/>
+                </a:solidFill>
+              </a:rPr>
+              <a:t>Recall: Control </a:t>
+            </a:r>
+            <a:r>
+              <a:rPr lang="en-GB" sz="4000" dirty="0">
+                <a:solidFill>
+                  <a:srgbClr val="0000FF"/>
+                </a:solidFill>
+              </a:rPr>
+              <a:t>structures</a:t>
+            </a:r>
+            <a:endParaRPr lang="en-GB" dirty="0">
+              <a:solidFill>
+                <a:srgbClr val="0000FF"/>
+              </a:solidFill>
+            </a:endParaRPr>
+          </a:p>
+        </p:txBody>
+      </p:sp>
+      <p:sp>
+        <p:nvSpPr>
+          <p:cNvPr id="6" name="HighlightBackgroundShapeeee31423-879f-470c-ac44-148c4404b3a6">
+            <a:extLst>
+              <a:ext uri="{FF2B5EF4-FFF2-40B4-BE49-F238E27FC236}">
+                <a16:creationId xmlns:a16="http://schemas.microsoft.com/office/drawing/2014/main" id="{D81F7CBB-1621-E323-938B-6841E0EC6C27}"/>
+              </a:ext>
+            </a:extLst>
+          </p:cNvPr>
+          <p:cNvSpPr>
+            <a:spLocks noChangeArrowheads="1"/>
+          </p:cNvSpPr>
+          <p:nvPr/>
+        </p:nvSpPr>
+        <p:spPr bwMode="auto">
+          <a:xfrm>
+            <a:off x="491319" y="1219200"/>
+            <a:ext cx="8134521" cy="5074920"/>
+          </a:xfrm>
+          <a:prstGeom prst="rect">
+            <a:avLst/>
+          </a:prstGeom>
+          <a:noFill/>
+          <a:ln w="9525">
+            <a:noFill/>
+            <a:miter lim="800000"/>
+            <a:headEnd/>
+            <a:tailEnd/>
+          </a:ln>
+        </p:spPr>
+        <p:txBody>
+          <a:bodyPr/>
+          <a:lstStyle/>
+          <a:p>
+            <a:pPr marL="342900" indent="-342900">
+              <a:spcBef>
+                <a:spcPts val="1200"/>
+              </a:spcBef>
+              <a:buClr>
+                <a:schemeClr val="accent4">
+                  <a:lumMod val="60000"/>
+                  <a:lumOff val="40000"/>
+                </a:schemeClr>
+              </a:buClr>
+              <a:buSzPct val="75000"/>
+              <a:buFont typeface="Wingdings" pitchFamily="2" charset="2"/>
+              <a:buChar char="n"/>
+            </a:pPr>
+            <a:r>
+              <a:rPr lang="en-US" sz="2400" dirty="0">
+                <a:solidFill>
+                  <a:srgbClr val="0000FF"/>
+                </a:solidFill>
+              </a:rPr>
+              <a:t>Sequence</a:t>
+            </a:r>
+          </a:p>
+          <a:p>
+            <a:pPr marL="800100" lvl="1" indent="-342900">
+              <a:spcBef>
+                <a:spcPts val="1200"/>
+              </a:spcBef>
+              <a:buClr>
+                <a:schemeClr val="accent4">
+                  <a:lumMod val="60000"/>
+                  <a:lumOff val="40000"/>
+                </a:schemeClr>
+              </a:buClr>
+              <a:buSzPct val="75000"/>
+              <a:buFont typeface="Wingdings" pitchFamily="2" charset="2"/>
+              <a:buChar char="n"/>
+            </a:pPr>
+            <a:r>
+              <a:rPr lang="en-US" sz="2400" dirty="0"/>
+              <a:t>After step X, do step Y.</a:t>
+            </a:r>
+          </a:p>
+          <a:p>
+            <a:pPr marL="342900" indent="-342900">
+              <a:spcBef>
+                <a:spcPts val="1200"/>
+              </a:spcBef>
+              <a:buClr>
+                <a:schemeClr val="accent4">
+                  <a:lumMod val="60000"/>
+                  <a:lumOff val="40000"/>
+                </a:schemeClr>
+              </a:buClr>
+              <a:buSzPct val="75000"/>
+              <a:buFont typeface="Wingdings" pitchFamily="2" charset="2"/>
+              <a:buChar char="n"/>
+            </a:pPr>
+            <a:endParaRPr lang="en-US" sz="2400" dirty="0"/>
+          </a:p>
+          <a:p>
+            <a:pPr marL="342900" indent="-342900">
+              <a:spcBef>
+                <a:spcPts val="1200"/>
+              </a:spcBef>
+              <a:buClr>
+                <a:schemeClr val="accent4">
+                  <a:lumMod val="60000"/>
+                  <a:lumOff val="40000"/>
+                </a:schemeClr>
+              </a:buClr>
+              <a:buSzPct val="75000"/>
+              <a:buFont typeface="Wingdings" pitchFamily="2" charset="2"/>
+              <a:buChar char="n"/>
+            </a:pPr>
+            <a:r>
+              <a:rPr lang="en-US" sz="2400" dirty="0">
+                <a:solidFill>
+                  <a:srgbClr val="0000FF"/>
+                </a:solidFill>
+              </a:rPr>
+              <a:t>Selection</a:t>
+            </a:r>
+          </a:p>
+          <a:p>
+            <a:pPr marL="800100" lvl="1" indent="-342900">
+              <a:spcBef>
+                <a:spcPts val="1200"/>
+              </a:spcBef>
+              <a:buClr>
+                <a:schemeClr val="accent4">
+                  <a:lumMod val="60000"/>
+                  <a:lumOff val="40000"/>
+                </a:schemeClr>
+              </a:buClr>
+              <a:buSzPct val="75000"/>
+              <a:buFont typeface="Wingdings" pitchFamily="2" charset="2"/>
+              <a:buChar char="n"/>
+            </a:pPr>
+            <a:r>
+              <a:rPr lang="en-US" sz="2400" dirty="0"/>
+              <a:t>If … then … else …</a:t>
+            </a:r>
+          </a:p>
+          <a:p>
+            <a:pPr marL="342900" indent="-342900">
+              <a:spcBef>
+                <a:spcPts val="1200"/>
+              </a:spcBef>
+              <a:buClr>
+                <a:schemeClr val="accent4">
+                  <a:lumMod val="60000"/>
+                  <a:lumOff val="40000"/>
+                </a:schemeClr>
+              </a:buClr>
+              <a:buSzPct val="75000"/>
+              <a:buFont typeface="Wingdings" pitchFamily="2" charset="2"/>
+              <a:buChar char="n"/>
+            </a:pPr>
+            <a:endParaRPr lang="en-US" sz="2400" dirty="0"/>
+          </a:p>
+          <a:p>
+            <a:pPr marL="342900" indent="-342900">
+              <a:spcBef>
+                <a:spcPts val="1200"/>
+              </a:spcBef>
+              <a:buClr>
+                <a:schemeClr val="accent4">
+                  <a:lumMod val="60000"/>
+                  <a:lumOff val="40000"/>
+                </a:schemeClr>
+              </a:buClr>
+              <a:buSzPct val="75000"/>
+              <a:buFont typeface="Wingdings" pitchFamily="2" charset="2"/>
+              <a:buChar char="n"/>
+            </a:pPr>
+            <a:r>
+              <a:rPr lang="en-US" sz="2400" dirty="0">
+                <a:solidFill>
+                  <a:srgbClr val="0000FF"/>
+                </a:solidFill>
+              </a:rPr>
+              <a:t>Repetition</a:t>
+            </a:r>
+          </a:p>
+          <a:p>
+            <a:pPr marL="800100" lvl="1" indent="-342900">
+              <a:spcBef>
+                <a:spcPts val="1200"/>
+              </a:spcBef>
+              <a:buClr>
+                <a:schemeClr val="accent4">
+                  <a:lumMod val="60000"/>
+                  <a:lumOff val="40000"/>
+                </a:schemeClr>
+              </a:buClr>
+              <a:buSzPct val="75000"/>
+              <a:buFont typeface="Wingdings" pitchFamily="2" charset="2"/>
+              <a:buChar char="n"/>
+            </a:pPr>
+            <a:r>
+              <a:rPr lang="en-US" sz="2400" dirty="0"/>
+              <a:t>Keep going as long as ...</a:t>
+            </a:r>
+          </a:p>
+          <a:p>
+            <a:pPr marL="800100" lvl="1" indent="-342900">
+              <a:spcBef>
+                <a:spcPts val="1200"/>
+              </a:spcBef>
+              <a:buClr>
+                <a:schemeClr val="accent4">
+                  <a:lumMod val="60000"/>
+                  <a:lumOff val="40000"/>
+                </a:schemeClr>
+              </a:buClr>
+              <a:buSzPct val="75000"/>
+              <a:buFont typeface="Wingdings" pitchFamily="2" charset="2"/>
+              <a:buChar char="n"/>
+            </a:pPr>
+            <a:endParaRPr lang="en-US" sz="2400" dirty="0"/>
+          </a:p>
+          <a:p>
+            <a:pPr marL="342900" indent="-342900">
+              <a:spcBef>
+                <a:spcPts val="1200"/>
+              </a:spcBef>
+              <a:buClr>
+                <a:schemeClr val="accent4">
+                  <a:lumMod val="60000"/>
+                  <a:lumOff val="40000"/>
+                </a:schemeClr>
+              </a:buClr>
+              <a:buSzPct val="75000"/>
+              <a:buFont typeface="Wingdings" pitchFamily="2" charset="2"/>
+              <a:buChar char="n"/>
+            </a:pPr>
+            <a:endParaRPr lang="en-US" sz="2400" dirty="0"/>
+          </a:p>
+        </p:txBody>
+      </p:sp>
+      <p:pic>
+        <p:nvPicPr>
+          <p:cNvPr id="8" name="Picture 2" descr="flowchart">
+            <a:extLst>
+              <a:ext uri="{FF2B5EF4-FFF2-40B4-BE49-F238E27FC236}">
+                <a16:creationId xmlns:a16="http://schemas.microsoft.com/office/drawing/2014/main" id="{FF54709F-D8F8-6758-88EB-AB5E61ED07C2}"/>
+              </a:ext>
+            </a:extLst>
+          </p:cNvPr>
+          <p:cNvPicPr>
+            <a:picLocks noChangeAspect="1" noChangeArrowheads="1"/>
+          </p:cNvPicPr>
+          <p:nvPr/>
+        </p:nvPicPr>
+        <p:blipFill rotWithShape="1">
+          <a:blip r:embed="rId3">
+            <a:extLst>
+              <a:ext uri="{28A0092B-C50C-407E-A947-70E740481C1C}">
+                <a14:useLocalDpi xmlns:a14="http://schemas.microsoft.com/office/drawing/2010/main" val="0"/>
+              </a:ext>
+            </a:extLst>
+          </a:blip>
+          <a:srcRect r="81187" b="29312"/>
+          <a:stretch/>
+        </p:blipFill>
+        <p:spPr bwMode="auto">
+          <a:xfrm>
+            <a:off x="6436419" y="1202055"/>
+            <a:ext cx="1107381" cy="1625346"/>
+          </a:xfrm>
+          <a:prstGeom prst="rect">
+            <a:avLst/>
+          </a:prstGeom>
+          <a:noFill/>
+          <a:extLst>
+            <a:ext uri="{909E8E84-426E-40DD-AFC4-6F175D3DCCD1}">
+              <a14:hiddenFill xmlns:a14="http://schemas.microsoft.com/office/drawing/2010/main">
+                <a:solidFill>
+                  <a:srgbClr val="FFFFFF"/>
+                </a:solidFill>
+              </a14:hiddenFill>
+            </a:ext>
+          </a:extLst>
+        </p:spPr>
+      </p:pic>
+      <p:pic>
+        <p:nvPicPr>
+          <p:cNvPr id="9" name="Picture 8" descr="flowchart">
+            <a:extLst>
+              <a:ext uri="{FF2B5EF4-FFF2-40B4-BE49-F238E27FC236}">
+                <a16:creationId xmlns:a16="http://schemas.microsoft.com/office/drawing/2014/main" id="{048DBF11-32BE-EBB6-F5A9-F0D1B1DF8E91}"/>
+              </a:ext>
+            </a:extLst>
+          </p:cNvPr>
+          <p:cNvPicPr>
+            <a:picLocks noChangeAspect="1" noChangeArrowheads="1"/>
+          </p:cNvPicPr>
+          <p:nvPr/>
+        </p:nvPicPr>
+        <p:blipFill rotWithShape="1">
+          <a:blip r:embed="rId3">
+            <a:extLst>
+              <a:ext uri="{28A0092B-C50C-407E-A947-70E740481C1C}">
+                <a14:useLocalDpi xmlns:a14="http://schemas.microsoft.com/office/drawing/2010/main" val="0"/>
+              </a:ext>
+            </a:extLst>
+          </a:blip>
+          <a:srcRect l="43994" t="36148" b="13213"/>
+          <a:stretch/>
+        </p:blipFill>
+        <p:spPr bwMode="auto">
+          <a:xfrm>
+            <a:off x="5297835" y="3039364"/>
+            <a:ext cx="3152776" cy="1113533"/>
+          </a:xfrm>
+          <a:prstGeom prst="rect">
+            <a:avLst/>
+          </a:prstGeom>
+          <a:noFill/>
+          <a:extLst>
+            <a:ext uri="{909E8E84-426E-40DD-AFC4-6F175D3DCCD1}">
+              <a14:hiddenFill xmlns:a14="http://schemas.microsoft.com/office/drawing/2010/main">
+                <a:solidFill>
+                  <a:srgbClr val="FFFFFF"/>
+                </a:solidFill>
+              </a14:hiddenFill>
+            </a:ext>
+          </a:extLst>
+        </p:spPr>
+      </p:pic>
+      <p:pic>
+        <p:nvPicPr>
+          <p:cNvPr id="10" name="Picture 2" descr="flowchart">
+            <a:extLst>
+              <a:ext uri="{FF2B5EF4-FFF2-40B4-BE49-F238E27FC236}">
+                <a16:creationId xmlns:a16="http://schemas.microsoft.com/office/drawing/2014/main" id="{77ED7787-EA07-20B8-FDD9-C74C4617F533}"/>
+              </a:ext>
+            </a:extLst>
+          </p:cNvPr>
+          <p:cNvPicPr>
+            <a:picLocks noChangeAspect="1" noChangeArrowheads="1"/>
+          </p:cNvPicPr>
+          <p:nvPr/>
+        </p:nvPicPr>
+        <p:blipFill rotWithShape="1">
+          <a:blip r:embed="rId3">
+            <a:extLst>
+              <a:ext uri="{28A0092B-C50C-407E-A947-70E740481C1C}">
+                <a14:useLocalDpi xmlns:a14="http://schemas.microsoft.com/office/drawing/2010/main" val="0"/>
+              </a:ext>
+            </a:extLst>
+          </a:blip>
+          <a:srcRect l="19183" t="11395" b="5963"/>
+          <a:stretch/>
+        </p:blipFill>
+        <p:spPr bwMode="auto">
+          <a:xfrm>
+            <a:off x="4800599" y="4467859"/>
+            <a:ext cx="4147248" cy="1656588"/>
+          </a:xfrm>
+          <a:prstGeom prst="rect">
+            <a:avLst/>
+          </a:prstGeom>
+          <a:noFill/>
+          <a:extLst>
+            <a:ext uri="{909E8E84-426E-40DD-AFC4-6F175D3DCCD1}">
+              <a14:hiddenFill xmlns:a14="http://schemas.microsoft.com/office/drawing/2010/main">
+                <a:solidFill>
+                  <a:srgbClr val="FFFFFF"/>
+                </a:solidFill>
+              </a14:hiddenFill>
+            </a:ext>
+          </a:extLst>
+        </p:spPr>
+      </p:pic>
     </p:spTree>
     <p:extLst>
       <p:ext uri="{BB962C8B-B14F-4D97-AF65-F5344CB8AC3E}">
@@ -25007,284 +25407,6 @@
   <p:transition>
     <p:fade/>
   </p:transition>
-  <p:timing>
-    <p:tnLst>
-      <p:par>
-        <p:cTn id="1" dur="indefinite" restart="never" nodeType="tmRoot">
-          <p:childTnLst>
-            <p:seq concurrent="1" nextAc="seek">
-              <p:cTn id="2" dur="indefinite" nodeType="mainSeq">
-                <p:childTnLst>
-                  <p:par>
-                    <p:cTn id="3" fill="hold">
-                      <p:stCondLst>
-                        <p:cond delay="indefinite"/>
-                        <p:cond evt="onBegin" delay="0">
-                          <p:tn val="2"/>
-                        </p:cond>
-                      </p:stCondLst>
-                      <p:childTnLst>
-                        <p:par>
-                          <p:cTn id="4" fill="hold">
-                            <p:stCondLst>
-                              <p:cond delay="0"/>
-                            </p:stCondLst>
-                            <p:childTnLst>
-                              <p:par>
-                                <p:cTn id="5" presetID="55" presetClass="entr" presetSubtype="0" fill="hold" nodeType="afterEffect">
-                                  <p:stCondLst>
-                                    <p:cond delay="0"/>
-                                  </p:stCondLst>
-                                  <p:childTnLst>
-                                    <p:set>
-                                      <p:cBhvr>
-                                        <p:cTn id="6" dur="1" fill="hold">
-                                          <p:stCondLst>
-                                            <p:cond delay="0"/>
-                                          </p:stCondLst>
-                                        </p:cTn>
-                                        <p:tgtEl>
-                                          <p:spTgt spid="89"/>
-                                        </p:tgtEl>
-                                        <p:attrNameLst>
-                                          <p:attrName>style.visibility</p:attrName>
-                                        </p:attrNameLst>
-                                      </p:cBhvr>
-                                      <p:to>
-                                        <p:strVal val="visible"/>
-                                      </p:to>
-                                    </p:set>
-                                    <p:anim calcmode="lin" valueType="num">
-                                      <p:cBhvr>
-                                        <p:cTn id="7" dur="1000" fill="hold"/>
-                                        <p:tgtEl>
-                                          <p:spTgt spid="89"/>
-                                        </p:tgtEl>
-                                        <p:attrNameLst>
-                                          <p:attrName>ppt_w</p:attrName>
-                                        </p:attrNameLst>
-                                      </p:cBhvr>
-                                      <p:tavLst>
-                                        <p:tav tm="0">
-                                          <p:val>
-                                            <p:strVal val="#ppt_w*0.70"/>
-                                          </p:val>
-                                        </p:tav>
-                                        <p:tav tm="100000">
-                                          <p:val>
-                                            <p:strVal val="#ppt_w"/>
-                                          </p:val>
-                                        </p:tav>
-                                      </p:tavLst>
-                                    </p:anim>
-                                    <p:anim calcmode="lin" valueType="num">
-                                      <p:cBhvr>
-                                        <p:cTn id="8" dur="1000" fill="hold"/>
-                                        <p:tgtEl>
-                                          <p:spTgt spid="89"/>
-                                        </p:tgtEl>
-                                        <p:attrNameLst>
-                                          <p:attrName>ppt_h</p:attrName>
-                                        </p:attrNameLst>
-                                      </p:cBhvr>
-                                      <p:tavLst>
-                                        <p:tav tm="0">
-                                          <p:val>
-                                            <p:strVal val="#ppt_h"/>
-                                          </p:val>
-                                        </p:tav>
-                                        <p:tav tm="100000">
-                                          <p:val>
-                                            <p:strVal val="#ppt_h"/>
-                                          </p:val>
-                                        </p:tav>
-                                      </p:tavLst>
-                                    </p:anim>
-                                    <p:animEffect transition="in" filter="fade">
-                                      <p:cBhvr>
-                                        <p:cTn id="9" dur="1000"/>
-                                        <p:tgtEl>
-                                          <p:spTgt spid="89"/>
-                                        </p:tgtEl>
-                                      </p:cBhvr>
-                                    </p:animEffect>
-                                  </p:childTnLst>
-                                </p:cTn>
-                              </p:par>
-                            </p:childTnLst>
-                          </p:cTn>
-                        </p:par>
-                        <p:par>
-                          <p:cTn id="10" fill="hold">
-                            <p:stCondLst>
-                              <p:cond delay="1000"/>
-                            </p:stCondLst>
-                            <p:childTnLst>
-                              <p:par>
-                                <p:cTn id="11" presetID="55" presetClass="entr" presetSubtype="0" fill="hold" nodeType="afterEffect">
-                                  <p:stCondLst>
-                                    <p:cond delay="0"/>
-                                  </p:stCondLst>
-                                  <p:childTnLst>
-                                    <p:set>
-                                      <p:cBhvr>
-                                        <p:cTn id="12" dur="1" fill="hold">
-                                          <p:stCondLst>
-                                            <p:cond delay="0"/>
-                                          </p:stCondLst>
-                                        </p:cTn>
-                                        <p:tgtEl>
-                                          <p:spTgt spid="90"/>
-                                        </p:tgtEl>
-                                        <p:attrNameLst>
-                                          <p:attrName>style.visibility</p:attrName>
-                                        </p:attrNameLst>
-                                      </p:cBhvr>
-                                      <p:to>
-                                        <p:strVal val="visible"/>
-                                      </p:to>
-                                    </p:set>
-                                    <p:anim calcmode="lin" valueType="num">
-                                      <p:cBhvr>
-                                        <p:cTn id="13" dur="1000" fill="hold"/>
-                                        <p:tgtEl>
-                                          <p:spTgt spid="90"/>
-                                        </p:tgtEl>
-                                        <p:attrNameLst>
-                                          <p:attrName>ppt_w</p:attrName>
-                                        </p:attrNameLst>
-                                      </p:cBhvr>
-                                      <p:tavLst>
-                                        <p:tav tm="0">
-                                          <p:val>
-                                            <p:strVal val="#ppt_w*0.70"/>
-                                          </p:val>
-                                        </p:tav>
-                                        <p:tav tm="100000">
-                                          <p:val>
-                                            <p:strVal val="#ppt_w"/>
-                                          </p:val>
-                                        </p:tav>
-                                      </p:tavLst>
-                                    </p:anim>
-                                    <p:anim calcmode="lin" valueType="num">
-                                      <p:cBhvr>
-                                        <p:cTn id="14" dur="1000" fill="hold"/>
-                                        <p:tgtEl>
-                                          <p:spTgt spid="90"/>
-                                        </p:tgtEl>
-                                        <p:attrNameLst>
-                                          <p:attrName>ppt_h</p:attrName>
-                                        </p:attrNameLst>
-                                      </p:cBhvr>
-                                      <p:tavLst>
-                                        <p:tav tm="0">
-                                          <p:val>
-                                            <p:strVal val="#ppt_h"/>
-                                          </p:val>
-                                        </p:tav>
-                                        <p:tav tm="100000">
-                                          <p:val>
-                                            <p:strVal val="#ppt_h"/>
-                                          </p:val>
-                                        </p:tav>
-                                      </p:tavLst>
-                                    </p:anim>
-                                    <p:animEffect transition="in" filter="fade">
-                                      <p:cBhvr>
-                                        <p:cTn id="15" dur="1000"/>
-                                        <p:tgtEl>
-                                          <p:spTgt spid="90"/>
-                                        </p:tgtEl>
-                                      </p:cBhvr>
-                                    </p:animEffect>
-                                  </p:childTnLst>
-                                </p:cTn>
-                              </p:par>
-                            </p:childTnLst>
-                          </p:cTn>
-                        </p:par>
-                      </p:childTnLst>
-                    </p:cTn>
-                  </p:par>
-                  <p:par>
-                    <p:cTn id="16" fill="hold">
-                      <p:stCondLst>
-                        <p:cond delay="indefinite"/>
-                      </p:stCondLst>
-                      <p:childTnLst>
-                        <p:par>
-                          <p:cTn id="17" fill="hold">
-                            <p:stCondLst>
-                              <p:cond delay="0"/>
-                            </p:stCondLst>
-                            <p:childTnLst>
-                              <p:par>
-                                <p:cTn id="18" presetID="5" presetClass="entr" presetSubtype="10" fill="hold" grpId="0" nodeType="clickEffect">
-                                  <p:stCondLst>
-                                    <p:cond delay="0"/>
-                                  </p:stCondLst>
-                                  <p:childTnLst>
-                                    <p:set>
-                                      <p:cBhvr>
-                                        <p:cTn id="19" dur="1" fill="hold">
-                                          <p:stCondLst>
-                                            <p:cond delay="0"/>
-                                          </p:stCondLst>
-                                        </p:cTn>
-                                        <p:tgtEl>
-                                          <p:spTgt spid="88"/>
-                                        </p:tgtEl>
-                                        <p:attrNameLst>
-                                          <p:attrName>style.visibility</p:attrName>
-                                        </p:attrNameLst>
-                                      </p:cBhvr>
-                                      <p:to>
-                                        <p:strVal val="visible"/>
-                                      </p:to>
-                                    </p:set>
-                                    <p:animEffect transition="in" filter="checkerboard(across)">
-                                      <p:cBhvr>
-                                        <p:cTn id="20" dur="500"/>
-                                        <p:tgtEl>
-                                          <p:spTgt spid="88"/>
-                                        </p:tgtEl>
-                                      </p:cBhvr>
-                                    </p:animEffect>
-                                  </p:childTnLst>
-                                </p:cTn>
-                              </p:par>
-                            </p:childTnLst>
-                          </p:cTn>
-                        </p:par>
-                      </p:childTnLst>
-                    </p:cTn>
-                  </p:par>
-                </p:childTnLst>
-              </p:cTn>
-              <p:prevCondLst>
-                <p:cond evt="onPrev" delay="0">
-                  <p:tgtEl>
-                    <p:sldTgt/>
-                  </p:tgtEl>
-                </p:cond>
-              </p:prevCondLst>
-              <p:nextCondLst>
-                <p:cond evt="onNext" delay="0">
-                  <p:tgtEl>
-                    <p:sldTgt/>
-                  </p:tgtEl>
-                </p:cond>
-              </p:nextCondLst>
-            </p:seq>
-          </p:childTnLst>
-        </p:cTn>
-      </p:par>
-    </p:tnLst>
-    <p:bldLst>
-      <p:bldP spid="88" grpId="0"/>
-    </p:bldLst>
-  </p:timing>
 </p:sld>
 </file>
 
@@ -29066,11 +29188,14 @@
               </a:tabLst>
             </a:pPr>
             <a:r>
-              <a:rPr lang="en-US" b="0" i="0" dirty="0">
-                <a:effectLst/>
-                <a:latin typeface="Roboto Mono"/>
-              </a:rPr>
-              <a:t>         </a:t>
+              <a:rPr lang="en-US" b="1" dirty="0">
+                <a:solidFill>
+                  <a:schemeClr val="tx1"/>
+                </a:solidFill>
+                <a:latin typeface="Courier New" panose="02070309020205020404" pitchFamily="49" charset="0"/>
+                <a:cs typeface="Courier New" panose="02070309020205020404" pitchFamily="49" charset="0"/>
+              </a:rPr>
+              <a:t>    </a:t>
             </a:r>
             <a:r>
               <a:rPr lang="en-US" b="1" i="0" dirty="0">
